--- a/microservice_visual/design.pptx
+++ b/microservice_visual/design.pptx
@@ -261,7 +261,7 @@
           <a:p>
             <a:fld id="{4F20BAAF-22F2-2D4E-B5D8-46D173378A43}" type="datetimeFigureOut">
               <a:rPr lang="en-US" smtClean="0"/>
-              <a:t>9/6/18</a:t>
+              <a:t>9/7/18</a:t>
             </a:fld>
             <a:endParaRPr lang="en-US"/>
           </a:p>
@@ -459,7 +459,7 @@
           <a:p>
             <a:fld id="{4F20BAAF-22F2-2D4E-B5D8-46D173378A43}" type="datetimeFigureOut">
               <a:rPr lang="en-US" smtClean="0"/>
-              <a:t>9/6/18</a:t>
+              <a:t>9/7/18</a:t>
             </a:fld>
             <a:endParaRPr lang="en-US"/>
           </a:p>
@@ -667,7 +667,7 @@
           <a:p>
             <a:fld id="{4F20BAAF-22F2-2D4E-B5D8-46D173378A43}" type="datetimeFigureOut">
               <a:rPr lang="en-US" smtClean="0"/>
-              <a:t>9/6/18</a:t>
+              <a:t>9/7/18</a:t>
             </a:fld>
             <a:endParaRPr lang="en-US"/>
           </a:p>
@@ -865,7 +865,7 @@
           <a:p>
             <a:fld id="{4F20BAAF-22F2-2D4E-B5D8-46D173378A43}" type="datetimeFigureOut">
               <a:rPr lang="en-US" smtClean="0"/>
-              <a:t>9/6/18</a:t>
+              <a:t>9/7/18</a:t>
             </a:fld>
             <a:endParaRPr lang="en-US"/>
           </a:p>
@@ -1140,7 +1140,7 @@
           <a:p>
             <a:fld id="{4F20BAAF-22F2-2D4E-B5D8-46D173378A43}" type="datetimeFigureOut">
               <a:rPr lang="en-US" smtClean="0"/>
-              <a:t>9/6/18</a:t>
+              <a:t>9/7/18</a:t>
             </a:fld>
             <a:endParaRPr lang="en-US"/>
           </a:p>
@@ -1405,7 +1405,7 @@
           <a:p>
             <a:fld id="{4F20BAAF-22F2-2D4E-B5D8-46D173378A43}" type="datetimeFigureOut">
               <a:rPr lang="en-US" smtClean="0"/>
-              <a:t>9/6/18</a:t>
+              <a:t>9/7/18</a:t>
             </a:fld>
             <a:endParaRPr lang="en-US"/>
           </a:p>
@@ -1817,7 +1817,7 @@
           <a:p>
             <a:fld id="{4F20BAAF-22F2-2D4E-B5D8-46D173378A43}" type="datetimeFigureOut">
               <a:rPr lang="en-US" smtClean="0"/>
-              <a:t>9/6/18</a:t>
+              <a:t>9/7/18</a:t>
             </a:fld>
             <a:endParaRPr lang="en-US"/>
           </a:p>
@@ -1958,7 +1958,7 @@
           <a:p>
             <a:fld id="{4F20BAAF-22F2-2D4E-B5D8-46D173378A43}" type="datetimeFigureOut">
               <a:rPr lang="en-US" smtClean="0"/>
-              <a:t>9/6/18</a:t>
+              <a:t>9/7/18</a:t>
             </a:fld>
             <a:endParaRPr lang="en-US"/>
           </a:p>
@@ -2071,7 +2071,7 @@
           <a:p>
             <a:fld id="{4F20BAAF-22F2-2D4E-B5D8-46D173378A43}" type="datetimeFigureOut">
               <a:rPr lang="en-US" smtClean="0"/>
-              <a:t>9/6/18</a:t>
+              <a:t>9/7/18</a:t>
             </a:fld>
             <a:endParaRPr lang="en-US"/>
           </a:p>
@@ -2382,7 +2382,7 @@
           <a:p>
             <a:fld id="{4F20BAAF-22F2-2D4E-B5D8-46D173378A43}" type="datetimeFigureOut">
               <a:rPr lang="en-US" smtClean="0"/>
-              <a:t>9/6/18</a:t>
+              <a:t>9/7/18</a:t>
             </a:fld>
             <a:endParaRPr lang="en-US"/>
           </a:p>
@@ -2670,7 +2670,7 @@
           <a:p>
             <a:fld id="{4F20BAAF-22F2-2D4E-B5D8-46D173378A43}" type="datetimeFigureOut">
               <a:rPr lang="en-US" smtClean="0"/>
-              <a:t>9/6/18</a:t>
+              <a:t>9/7/18</a:t>
             </a:fld>
             <a:endParaRPr lang="en-US"/>
           </a:p>
@@ -2911,7 +2911,7 @@
           <a:p>
             <a:fld id="{4F20BAAF-22F2-2D4E-B5D8-46D173378A43}" type="datetimeFigureOut">
               <a:rPr lang="en-US" smtClean="0"/>
-              <a:t>9/6/18</a:t>
+              <a:t>9/7/18</a:t>
             </a:fld>
             <a:endParaRPr lang="en-US"/>
           </a:p>
@@ -3492,8 +3492,8 @@
         </p:nvSpPr>
         <p:spPr>
           <a:xfrm>
-            <a:off x="1178984" y="338666"/>
-            <a:ext cx="2897070" cy="707886"/>
+            <a:off x="1178983" y="338666"/>
+            <a:ext cx="3618303" cy="707886"/>
           </a:xfrm>
           <a:prstGeom prst="rect">
             <a:avLst/>
@@ -3508,7 +3508,7 @@
           <a:p>
             <a:r>
               <a:rPr lang="en-US" sz="1000" dirty="0"/>
-              <a:t>Dimensions Filter: (multiple choice)</a:t>
+              <a:t>Dimensions Filter: (multiple choices)</a:t>
             </a:r>
           </a:p>
           <a:p>
@@ -3517,7 +3517,19 @@
             </a:pPr>
             <a:r>
               <a:rPr lang="en-US" sz="1000" dirty="0"/>
-              <a:t>User (session &amp; Scenarios &amp; request type)</a:t>
+              <a:t>User (session &amp; </a:t>
+            </a:r>
+            <a:r>
+              <a:rPr lang="en-US" sz="1000" dirty="0">
+                <a:solidFill>
+                  <a:srgbClr val="FF0000"/>
+                </a:solidFill>
+              </a:rPr>
+              <a:t>scenarios(aggregate)</a:t>
+            </a:r>
+            <a:r>
+              <a:rPr lang="en-US" sz="1000" dirty="0"/>
+              <a:t> &amp; request type)</a:t>
             </a:r>
           </a:p>
           <a:p>
@@ -3526,7 +3538,7 @@
             </a:pPr>
             <a:r>
               <a:rPr lang="en-US" sz="1000" dirty="0"/>
-              <a:t>Service &amp; Instance</a:t>
+              <a:t>Service &amp; Instance (service category, instance count)</a:t>
             </a:r>
           </a:p>
           <a:p>
@@ -3535,7 +3547,7 @@
             </a:pPr>
             <a:r>
               <a:rPr lang="en-US" sz="1000" dirty="0"/>
-              <a:t>Runtime Metrics (QoS)</a:t>
+              <a:t>Runtime Metrics (QoS, exceptions)</a:t>
             </a:r>
           </a:p>
         </p:txBody>
@@ -3570,7 +3582,7 @@
           <a:p>
             <a:r>
               <a:rPr lang="en-US" sz="1000" dirty="0"/>
-              <a:t>Statistics Chart: (multiple choice)</a:t>
+              <a:t>Statistics Chart: (multiple choices)</a:t>
             </a:r>
           </a:p>
           <a:p>
@@ -3597,7 +3609,7 @@
             </a:pPr>
             <a:r>
               <a:rPr lang="en-US" sz="1000" dirty="0"/>
-              <a:t>Runtime Metrics (QoS)</a:t>
+              <a:t>Runtime Metrics</a:t>
             </a:r>
           </a:p>
         </p:txBody>
@@ -3617,7 +3629,7 @@
         <p:spPr>
           <a:xfrm>
             <a:off x="7493432" y="1247076"/>
-            <a:ext cx="1839863" cy="276999"/>
+            <a:ext cx="1218026" cy="276999"/>
           </a:xfrm>
           <a:prstGeom prst="rect">
             <a:avLst/>
@@ -3642,17 +3654,49 @@
               <a:rPr lang="en-US" sz="1200" dirty="0" err="1"/>
               <a:t>|service</a:t>
             </a:r>
+            <a:endParaRPr lang="en-US" sz="1200" dirty="0"/>
+          </a:p>
+        </p:txBody>
+      </p:sp>
+      <p:sp>
+        <p:nvSpPr>
+          <p:cNvPr id="12" name="TextBox 11">
+            <a:extLst>
+              <a:ext uri="{FF2B5EF4-FFF2-40B4-BE49-F238E27FC236}">
+                <a16:creationId xmlns:a16="http://schemas.microsoft.com/office/drawing/2014/main" id="{211D7044-7C60-6C4A-B0AF-EAEA3AB578AE}"/>
+              </a:ext>
+            </a:extLst>
+          </p:cNvPr>
+          <p:cNvSpPr txBox="1"/>
+          <p:nvPr/>
+        </p:nvSpPr>
+        <p:spPr>
+          <a:xfrm>
+            <a:off x="7493432" y="1563748"/>
+            <a:ext cx="1776064" cy="276999"/>
+          </a:xfrm>
+          <a:prstGeom prst="rect">
+            <a:avLst/>
+          </a:prstGeom>
+          <a:noFill/>
+        </p:spPr>
+        <p:txBody>
+          <a:bodyPr wrap="none" rtlCol="0">
+            <a:spAutoFit/>
+          </a:bodyPr>
+          <a:lstStyle/>
+          <a:p>
             <a:r>
               <a:rPr lang="en-US" sz="1200" dirty="0" err="1">
                 <a:solidFill>
                   <a:srgbClr val="FF0000"/>
                 </a:solidFill>
               </a:rPr>
-              <a:t>|</a:t>
+              <a:t>landscape</a:t>
             </a:r>
             <a:r>
               <a:rPr lang="en-US" sz="1200" dirty="0" err="1"/>
-              <a:t>compare</a:t>
+              <a:t>|flow|compare</a:t>
             </a:r>
             <a:endParaRPr lang="en-US" sz="1200" dirty="0"/>
           </a:p>
@@ -3740,8 +3784,8 @@
         </p:blipFill>
         <p:spPr>
           <a:xfrm>
-            <a:off x="1096617" y="1701889"/>
-            <a:ext cx="8252056" cy="3854911"/>
+            <a:off x="1096617" y="2040835"/>
+            <a:ext cx="8252056" cy="3515965"/>
           </a:xfrm>
           <a:prstGeom prst="rect">
             <a:avLst/>
@@ -3810,10 +3854,10 @@
       </p:pic>
       <p:sp>
         <p:nvSpPr>
-          <p:cNvPr id="17" name="TextBox 16">
-            <a:extLst>
-              <a:ext uri="{FF2B5EF4-FFF2-40B4-BE49-F238E27FC236}">
-                <a16:creationId xmlns:a16="http://schemas.microsoft.com/office/drawing/2014/main" id="{66C7926C-748D-B44E-B55F-069D1313BEFC}"/>
+          <p:cNvPr id="12" name="TextBox 11">
+            <a:extLst>
+              <a:ext uri="{FF2B5EF4-FFF2-40B4-BE49-F238E27FC236}">
+                <a16:creationId xmlns:a16="http://schemas.microsoft.com/office/drawing/2014/main" id="{0F3BF746-4084-B746-B9E6-593BDF81BA57}"/>
               </a:ext>
             </a:extLst>
           </p:cNvPr>
@@ -3822,8 +3866,8 @@
         </p:nvSpPr>
         <p:spPr>
           <a:xfrm>
-            <a:off x="1178984" y="338666"/>
-            <a:ext cx="2897070" cy="707886"/>
+            <a:off x="1178983" y="338666"/>
+            <a:ext cx="3618303" cy="707886"/>
           </a:xfrm>
           <a:prstGeom prst="rect">
             <a:avLst/>
@@ -3838,7 +3882,7 @@
           <a:p>
             <a:r>
               <a:rPr lang="en-US" sz="1000" dirty="0"/>
-              <a:t>Dimensions Filter: (multiple choice)</a:t>
+              <a:t>Dimensions Filter: (multiple choices)</a:t>
             </a:r>
           </a:p>
           <a:p>
@@ -3847,7 +3891,19 @@
             </a:pPr>
             <a:r>
               <a:rPr lang="en-US" sz="1000" dirty="0"/>
-              <a:t>User (session &amp; Scenarios &amp; request type)</a:t>
+              <a:t>User (session &amp; </a:t>
+            </a:r>
+            <a:r>
+              <a:rPr lang="en-US" sz="1000" dirty="0">
+                <a:solidFill>
+                  <a:srgbClr val="FF0000"/>
+                </a:solidFill>
+              </a:rPr>
+              <a:t>scenarios(aggregate)</a:t>
+            </a:r>
+            <a:r>
+              <a:rPr lang="en-US" sz="1000" dirty="0"/>
+              <a:t> &amp; request type)</a:t>
             </a:r>
           </a:p>
           <a:p>
@@ -3856,7 +3912,7 @@
             </a:pPr>
             <a:r>
               <a:rPr lang="en-US" sz="1000" dirty="0"/>
-              <a:t>Service &amp; Instance</a:t>
+              <a:t>Service &amp; Instance (service category, instance count)</a:t>
             </a:r>
           </a:p>
           <a:p>
@@ -3865,17 +3921,17 @@
             </a:pPr>
             <a:r>
               <a:rPr lang="en-US" sz="1000" dirty="0"/>
-              <a:t>Runtime Metrics (QoS)</a:t>
-            </a:r>
-          </a:p>
-        </p:txBody>
-      </p:sp>
-      <p:sp>
-        <p:nvSpPr>
-          <p:cNvPr id="18" name="TextBox 17">
-            <a:extLst>
-              <a:ext uri="{FF2B5EF4-FFF2-40B4-BE49-F238E27FC236}">
-                <a16:creationId xmlns:a16="http://schemas.microsoft.com/office/drawing/2014/main" id="{579BBBAD-EDAD-6447-BD6A-6BA527915CC2}"/>
+              <a:t>Runtime Metrics (QoS, exceptions)</a:t>
+            </a:r>
+          </a:p>
+        </p:txBody>
+      </p:sp>
+      <p:sp>
+        <p:nvSpPr>
+          <p:cNvPr id="13" name="TextBox 12">
+            <a:extLst>
+              <a:ext uri="{FF2B5EF4-FFF2-40B4-BE49-F238E27FC236}">
+                <a16:creationId xmlns:a16="http://schemas.microsoft.com/office/drawing/2014/main" id="{B184833D-5F1C-194A-BD76-35A854D9DAC2}"/>
               </a:ext>
             </a:extLst>
           </p:cNvPr>
@@ -3900,7 +3956,7 @@
           <a:p>
             <a:r>
               <a:rPr lang="en-US" sz="1000" dirty="0"/>
-              <a:t>Statistics Chart: (multiple choice)</a:t>
+              <a:t>Statistics Chart: (multiple choices)</a:t>
             </a:r>
           </a:p>
           <a:p>
@@ -3927,17 +3983,17 @@
             </a:pPr>
             <a:r>
               <a:rPr lang="en-US" sz="1000" dirty="0"/>
-              <a:t>Runtime Metrics (QoS)</a:t>
-            </a:r>
-          </a:p>
-        </p:txBody>
-      </p:sp>
-      <p:sp>
-        <p:nvSpPr>
-          <p:cNvPr id="11" name="TextBox 10">
-            <a:extLst>
-              <a:ext uri="{FF2B5EF4-FFF2-40B4-BE49-F238E27FC236}">
-                <a16:creationId xmlns:a16="http://schemas.microsoft.com/office/drawing/2014/main" id="{8FE31015-199F-564B-B0C7-928537A09FB5}"/>
+              <a:t>Runtime Metrics</a:t>
+            </a:r>
+          </a:p>
+        </p:txBody>
+      </p:sp>
+      <p:sp>
+        <p:nvSpPr>
+          <p:cNvPr id="14" name="TextBox 13">
+            <a:extLst>
+              <a:ext uri="{FF2B5EF4-FFF2-40B4-BE49-F238E27FC236}">
+                <a16:creationId xmlns:a16="http://schemas.microsoft.com/office/drawing/2014/main" id="{24F93E8E-BA8B-134B-AC4D-2FE7D24E3360}"/>
               </a:ext>
             </a:extLst>
           </p:cNvPr>
@@ -3947,7 +4003,7 @@
         <p:spPr>
           <a:xfrm>
             <a:off x="7493432" y="1247076"/>
-            <a:ext cx="1839863" cy="276999"/>
+            <a:ext cx="1218026" cy="276999"/>
           </a:xfrm>
           <a:prstGeom prst="rect">
             <a:avLst/>
@@ -3970,11 +4026,59 @@
                   <a:srgbClr val="FF0000"/>
                 </a:solidFill>
               </a:rPr>
-              <a:t>service|</a:t>
-            </a:r>
+              <a:t>service</a:t>
+            </a:r>
+            <a:endParaRPr lang="en-US" sz="1200" dirty="0">
+              <a:solidFill>
+                <a:srgbClr val="FF0000"/>
+              </a:solidFill>
+            </a:endParaRPr>
+          </a:p>
+        </p:txBody>
+      </p:sp>
+      <p:sp>
+        <p:nvSpPr>
+          <p:cNvPr id="15" name="TextBox 14">
+            <a:extLst>
+              <a:ext uri="{FF2B5EF4-FFF2-40B4-BE49-F238E27FC236}">
+                <a16:creationId xmlns:a16="http://schemas.microsoft.com/office/drawing/2014/main" id="{A41E8679-C67C-2341-909F-BB16217F27F4}"/>
+              </a:ext>
+            </a:extLst>
+          </p:cNvPr>
+          <p:cNvSpPr txBox="1"/>
+          <p:nvPr/>
+        </p:nvSpPr>
+        <p:spPr>
+          <a:xfrm>
+            <a:off x="7493432" y="1563748"/>
+            <a:ext cx="1776064" cy="276999"/>
+          </a:xfrm>
+          <a:prstGeom prst="rect">
+            <a:avLst/>
+          </a:prstGeom>
+          <a:noFill/>
+        </p:spPr>
+        <p:txBody>
+          <a:bodyPr wrap="none" rtlCol="0">
+            <a:spAutoFit/>
+          </a:bodyPr>
+          <a:lstStyle/>
+          <a:p>
             <a:r>
               <a:rPr lang="en-US" sz="1200" dirty="0" err="1"/>
-              <a:t>compare</a:t>
+              <a:t>landscape|</a:t>
+            </a:r>
+            <a:r>
+              <a:rPr lang="en-US" sz="1200" dirty="0" err="1">
+                <a:solidFill>
+                  <a:srgbClr val="FF0000"/>
+                </a:solidFill>
+              </a:rPr>
+              <a:t>flow</a:t>
+            </a:r>
+            <a:r>
+              <a:rPr lang="en-US" sz="1200" dirty="0" err="1"/>
+              <a:t>|compare</a:t>
             </a:r>
             <a:endParaRPr lang="en-US" sz="1200" dirty="0"/>
           </a:p>
@@ -4040,54 +4144,6 @@
           </a:prstGeom>
         </p:spPr>
       </p:pic>
-      <p:sp>
-        <p:nvSpPr>
-          <p:cNvPr id="16" name="TextBox 15">
-            <a:extLst>
-              <a:ext uri="{FF2B5EF4-FFF2-40B4-BE49-F238E27FC236}">
-                <a16:creationId xmlns:a16="http://schemas.microsoft.com/office/drawing/2014/main" id="{FF365F0B-A9C0-0A40-BF61-4C8D2A294482}"/>
-              </a:ext>
-            </a:extLst>
-          </p:cNvPr>
-          <p:cNvSpPr txBox="1"/>
-          <p:nvPr/>
-        </p:nvSpPr>
-        <p:spPr>
-          <a:xfrm>
-            <a:off x="7493432" y="1247076"/>
-            <a:ext cx="1839863" cy="276999"/>
-          </a:xfrm>
-          <a:prstGeom prst="rect">
-            <a:avLst/>
-          </a:prstGeom>
-          <a:noFill/>
-        </p:spPr>
-        <p:txBody>
-          <a:bodyPr wrap="none" rtlCol="0">
-            <a:spAutoFit/>
-          </a:bodyPr>
-          <a:lstStyle/>
-          <a:p>
-            <a:r>
-              <a:rPr lang="en-US" sz="1200" dirty="0" err="1"/>
-              <a:t>Instance|service</a:t>
-            </a:r>
-            <a:r>
-              <a:rPr lang="en-US" sz="1200" dirty="0" err="1">
-                <a:solidFill>
-                  <a:srgbClr val="FF0000"/>
-                </a:solidFill>
-              </a:rPr>
-              <a:t>|compare</a:t>
-            </a:r>
-            <a:endParaRPr lang="en-US" sz="1200" dirty="0">
-              <a:solidFill>
-                <a:srgbClr val="FF0000"/>
-              </a:solidFill>
-            </a:endParaRPr>
-          </a:p>
-        </p:txBody>
-      </p:sp>
       <p:pic>
         <p:nvPicPr>
           <p:cNvPr id="2" name="Picture 1">
@@ -4110,14 +4166,110 @@
         </p:blipFill>
         <p:spPr>
           <a:xfrm>
-            <a:off x="1752599" y="1740058"/>
-            <a:ext cx="8589617" cy="3839299"/>
+            <a:off x="1752599" y="1974574"/>
+            <a:ext cx="8589617" cy="3604783"/>
           </a:xfrm>
           <a:prstGeom prst="rect">
             <a:avLst/>
           </a:prstGeom>
         </p:spPr>
       </p:pic>
+      <p:sp>
+        <p:nvSpPr>
+          <p:cNvPr id="5" name="TextBox 4">
+            <a:extLst>
+              <a:ext uri="{FF2B5EF4-FFF2-40B4-BE49-F238E27FC236}">
+                <a16:creationId xmlns:a16="http://schemas.microsoft.com/office/drawing/2014/main" id="{25A45453-E3B7-2D4E-A188-CB94AE966260}"/>
+              </a:ext>
+            </a:extLst>
+          </p:cNvPr>
+          <p:cNvSpPr txBox="1"/>
+          <p:nvPr/>
+        </p:nvSpPr>
+        <p:spPr>
+          <a:xfrm>
+            <a:off x="7493432" y="1247076"/>
+            <a:ext cx="1218026" cy="276999"/>
+          </a:xfrm>
+          <a:prstGeom prst="rect">
+            <a:avLst/>
+          </a:prstGeom>
+          <a:noFill/>
+        </p:spPr>
+        <p:txBody>
+          <a:bodyPr wrap="none" rtlCol="0">
+            <a:spAutoFit/>
+          </a:bodyPr>
+          <a:lstStyle/>
+          <a:p>
+            <a:r>
+              <a:rPr lang="en-US" sz="1200" dirty="0" err="1"/>
+              <a:t>Instance|</a:t>
+            </a:r>
+            <a:r>
+              <a:rPr lang="en-US" sz="1200" dirty="0" err="1">
+                <a:solidFill>
+                  <a:srgbClr val="FF0000"/>
+                </a:solidFill>
+              </a:rPr>
+              <a:t>service</a:t>
+            </a:r>
+            <a:endParaRPr lang="en-US" sz="1200" dirty="0">
+              <a:solidFill>
+                <a:srgbClr val="FF0000"/>
+              </a:solidFill>
+            </a:endParaRPr>
+          </a:p>
+        </p:txBody>
+      </p:sp>
+      <p:sp>
+        <p:nvSpPr>
+          <p:cNvPr id="7" name="TextBox 6">
+            <a:extLst>
+              <a:ext uri="{FF2B5EF4-FFF2-40B4-BE49-F238E27FC236}">
+                <a16:creationId xmlns:a16="http://schemas.microsoft.com/office/drawing/2014/main" id="{22DB9ED0-74A7-7447-935B-6644FAE9B432}"/>
+              </a:ext>
+            </a:extLst>
+          </p:cNvPr>
+          <p:cNvSpPr txBox="1"/>
+          <p:nvPr/>
+        </p:nvSpPr>
+        <p:spPr>
+          <a:xfrm>
+            <a:off x="7493432" y="1563748"/>
+            <a:ext cx="1776064" cy="276999"/>
+          </a:xfrm>
+          <a:prstGeom prst="rect">
+            <a:avLst/>
+          </a:prstGeom>
+          <a:noFill/>
+        </p:spPr>
+        <p:txBody>
+          <a:bodyPr wrap="none" rtlCol="0">
+            <a:spAutoFit/>
+          </a:bodyPr>
+          <a:lstStyle/>
+          <a:p>
+            <a:r>
+              <a:rPr lang="en-US" sz="1200" dirty="0" err="1"/>
+              <a:t>landscape|</a:t>
+            </a:r>
+            <a:r>
+              <a:rPr lang="en-US" sz="1200" dirty="0" err="1">
+                <a:solidFill>
+                  <a:srgbClr val="FF0000"/>
+                </a:solidFill>
+              </a:rPr>
+              <a:t>flow</a:t>
+            </a:r>
+            <a:r>
+              <a:rPr lang="en-US" sz="1200" dirty="0" err="1"/>
+              <a:t>|compare</a:t>
+            </a:r>
+            <a:endParaRPr lang="en-US" sz="1200" dirty="0"/>
+          </a:p>
+        </p:txBody>
+      </p:sp>
     </p:spTree>
     <p:extLst>
       <p:ext uri="{BB962C8B-B14F-4D97-AF65-F5344CB8AC3E}">
